--- a/public/data/LOGO.pptx
+++ b/public/data/LOGO.pptx
@@ -16,6 +16,7 @@
     <p:sldId id="260" r:id="rId13"/>
     <p:sldId id="261" r:id="rId14"/>
     <p:sldId id="263" r:id="rId15"/>
+    <p:sldId id="267" r:id="rId16"/>
   </p:sldIdLst>
   <p:sldSz cx="12192000" cy="6858000"/>
   <p:notesSz cx="6858000" cy="9144000"/>
@@ -269,7 +270,7 @@
           <a:p>
             <a:fld id="{B1E4AD65-7308-469A-9D9A-1620AD060EFD}" type="datetimeFigureOut">
               <a:rPr lang="ko-KR" altLang="en-US" smtClean="0"/>
-              <a:t>2023-08-22</a:t>
+              <a:t>2023-10-31</a:t>
             </a:fld>
             <a:endParaRPr lang="ko-KR" altLang="en-US"/>
           </a:p>
@@ -467,7 +468,7 @@
           <a:p>
             <a:fld id="{B1E4AD65-7308-469A-9D9A-1620AD060EFD}" type="datetimeFigureOut">
               <a:rPr lang="ko-KR" altLang="en-US" smtClean="0"/>
-              <a:t>2023-08-22</a:t>
+              <a:t>2023-10-31</a:t>
             </a:fld>
             <a:endParaRPr lang="ko-KR" altLang="en-US"/>
           </a:p>
@@ -675,7 +676,7 @@
           <a:p>
             <a:fld id="{B1E4AD65-7308-469A-9D9A-1620AD060EFD}" type="datetimeFigureOut">
               <a:rPr lang="ko-KR" altLang="en-US" smtClean="0"/>
-              <a:t>2023-08-22</a:t>
+              <a:t>2023-10-31</a:t>
             </a:fld>
             <a:endParaRPr lang="ko-KR" altLang="en-US"/>
           </a:p>
@@ -873,7 +874,7 @@
           <a:p>
             <a:fld id="{B1E4AD65-7308-469A-9D9A-1620AD060EFD}" type="datetimeFigureOut">
               <a:rPr lang="ko-KR" altLang="en-US" smtClean="0"/>
-              <a:t>2023-08-22</a:t>
+              <a:t>2023-10-31</a:t>
             </a:fld>
             <a:endParaRPr lang="ko-KR" altLang="en-US"/>
           </a:p>
@@ -1148,7 +1149,7 @@
           <a:p>
             <a:fld id="{B1E4AD65-7308-469A-9D9A-1620AD060EFD}" type="datetimeFigureOut">
               <a:rPr lang="ko-KR" altLang="en-US" smtClean="0"/>
-              <a:t>2023-08-22</a:t>
+              <a:t>2023-10-31</a:t>
             </a:fld>
             <a:endParaRPr lang="ko-KR" altLang="en-US"/>
           </a:p>
@@ -1413,7 +1414,7 @@
           <a:p>
             <a:fld id="{B1E4AD65-7308-469A-9D9A-1620AD060EFD}" type="datetimeFigureOut">
               <a:rPr lang="ko-KR" altLang="en-US" smtClean="0"/>
-              <a:t>2023-08-22</a:t>
+              <a:t>2023-10-31</a:t>
             </a:fld>
             <a:endParaRPr lang="ko-KR" altLang="en-US"/>
           </a:p>
@@ -1825,7 +1826,7 @@
           <a:p>
             <a:fld id="{B1E4AD65-7308-469A-9D9A-1620AD060EFD}" type="datetimeFigureOut">
               <a:rPr lang="ko-KR" altLang="en-US" smtClean="0"/>
-              <a:t>2023-08-22</a:t>
+              <a:t>2023-10-31</a:t>
             </a:fld>
             <a:endParaRPr lang="ko-KR" altLang="en-US"/>
           </a:p>
@@ -1966,7 +1967,7 @@
           <a:p>
             <a:fld id="{B1E4AD65-7308-469A-9D9A-1620AD060EFD}" type="datetimeFigureOut">
               <a:rPr lang="ko-KR" altLang="en-US" smtClean="0"/>
-              <a:t>2023-08-22</a:t>
+              <a:t>2023-10-31</a:t>
             </a:fld>
             <a:endParaRPr lang="ko-KR" altLang="en-US"/>
           </a:p>
@@ -2079,7 +2080,7 @@
           <a:p>
             <a:fld id="{B1E4AD65-7308-469A-9D9A-1620AD060EFD}" type="datetimeFigureOut">
               <a:rPr lang="ko-KR" altLang="en-US" smtClean="0"/>
-              <a:t>2023-08-22</a:t>
+              <a:t>2023-10-31</a:t>
             </a:fld>
             <a:endParaRPr lang="ko-KR" altLang="en-US"/>
           </a:p>
@@ -2390,7 +2391,7 @@
           <a:p>
             <a:fld id="{B1E4AD65-7308-469A-9D9A-1620AD060EFD}" type="datetimeFigureOut">
               <a:rPr lang="ko-KR" altLang="en-US" smtClean="0"/>
-              <a:t>2023-08-22</a:t>
+              <a:t>2023-10-31</a:t>
             </a:fld>
             <a:endParaRPr lang="ko-KR" altLang="en-US"/>
           </a:p>
@@ -2678,7 +2679,7 @@
           <a:p>
             <a:fld id="{B1E4AD65-7308-469A-9D9A-1620AD060EFD}" type="datetimeFigureOut">
               <a:rPr lang="ko-KR" altLang="en-US" smtClean="0"/>
-              <a:t>2023-08-22</a:t>
+              <a:t>2023-10-31</a:t>
             </a:fld>
             <a:endParaRPr lang="ko-KR" altLang="en-US"/>
           </a:p>
@@ -2919,7 +2920,7 @@
           <a:p>
             <a:fld id="{B1E4AD65-7308-469A-9D9A-1620AD060EFD}" type="datetimeFigureOut">
               <a:rPr lang="ko-KR" altLang="en-US" smtClean="0"/>
-              <a:t>2023-08-22</a:t>
+              <a:t>2023-10-31</a:t>
             </a:fld>
             <a:endParaRPr lang="ko-KR" altLang="en-US"/>
           </a:p>
@@ -3656,6 +3657,145 @@
     <p:extLst>
       <p:ext uri="{BB962C8B-B14F-4D97-AF65-F5344CB8AC3E}">
         <p14:creationId xmlns:p14="http://schemas.microsoft.com/office/powerpoint/2010/main" val="1816107592"/>
+      </p:ext>
+    </p:extLst>
+  </p:cSld>
+  <p:clrMapOvr>
+    <a:masterClrMapping/>
+  </p:clrMapOvr>
+</p:sld>
+</file>
+
+<file path=ppt/slides/slide12.xml><?xml version="1.0" encoding="utf-8"?>
+<p:sld xmlns:a="http://schemas.openxmlformats.org/drawingml/2006/main" xmlns:r="http://schemas.openxmlformats.org/officeDocument/2006/relationships" xmlns:p="http://schemas.openxmlformats.org/presentationml/2006/main">
+  <p:cSld>
+    <p:spTree>
+      <p:nvGrpSpPr>
+        <p:cNvPr id="1" name=""/>
+        <p:cNvGrpSpPr/>
+        <p:nvPr/>
+      </p:nvGrpSpPr>
+      <p:grpSpPr>
+        <a:xfrm>
+          <a:off x="0" y="0"/>
+          <a:ext cx="0" cy="0"/>
+          <a:chOff x="0" y="0"/>
+          <a:chExt cx="0" cy="0"/>
+        </a:xfrm>
+      </p:grpSpPr>
+      <p:grpSp>
+        <p:nvGrpSpPr>
+          <p:cNvPr id="7" name="그룹 6">
+            <a:extLst>
+              <a:ext uri="{FF2B5EF4-FFF2-40B4-BE49-F238E27FC236}">
+                <a16:creationId xmlns:a16="http://schemas.microsoft.com/office/drawing/2014/main" id="{1851412D-3111-E6E4-F50F-02BB99BDCD7A}"/>
+              </a:ext>
+            </a:extLst>
+          </p:cNvPr>
+          <p:cNvGrpSpPr/>
+          <p:nvPr/>
+        </p:nvGrpSpPr>
+        <p:grpSpPr>
+          <a:xfrm>
+            <a:off x="1866900" y="-800100"/>
+            <a:ext cx="8458200" cy="8458200"/>
+            <a:chOff x="1360154" y="-800100"/>
+            <a:chExt cx="8458200" cy="8458200"/>
+          </a:xfrm>
+        </p:grpSpPr>
+        <p:sp>
+          <p:nvSpPr>
+            <p:cNvPr id="5" name="직사각형 4">
+              <a:extLst>
+                <a:ext uri="{FF2B5EF4-FFF2-40B4-BE49-F238E27FC236}">
+                  <a16:creationId xmlns:a16="http://schemas.microsoft.com/office/drawing/2014/main" id="{B898AC64-58F7-A5AC-962E-749B9AA30F53}"/>
+                </a:ext>
+              </a:extLst>
+            </p:cNvPr>
+            <p:cNvSpPr/>
+            <p:nvPr/>
+          </p:nvSpPr>
+          <p:spPr>
+            <a:xfrm>
+              <a:off x="1360154" y="-800100"/>
+              <a:ext cx="8458200" cy="8458200"/>
+            </a:xfrm>
+            <a:prstGeom prst="rect">
+              <a:avLst/>
+            </a:prstGeom>
+            <a:solidFill>
+              <a:schemeClr val="bg1"/>
+            </a:solidFill>
+            <a:ln>
+              <a:noFill/>
+            </a:ln>
+          </p:spPr>
+          <p:style>
+            <a:lnRef idx="2">
+              <a:schemeClr val="accent1">
+                <a:shade val="15000"/>
+              </a:schemeClr>
+            </a:lnRef>
+            <a:fillRef idx="1">
+              <a:schemeClr val="accent1"/>
+            </a:fillRef>
+            <a:effectRef idx="0">
+              <a:schemeClr val="accent1"/>
+            </a:effectRef>
+            <a:fontRef idx="minor">
+              <a:schemeClr val="lt1"/>
+            </a:fontRef>
+          </p:style>
+          <p:txBody>
+            <a:bodyPr rtlCol="0" anchor="ctr"/>
+            <a:lstStyle/>
+            <a:p>
+              <a:pPr algn="ctr"/>
+              <a:endParaRPr lang="ko-KR" altLang="en-US"/>
+            </a:p>
+          </p:txBody>
+        </p:sp>
+        <p:pic>
+          <p:nvPicPr>
+            <p:cNvPr id="6" name="그림 5" descr="클립아트, 그래픽, 인간의 얼굴, 일러스트레이션이(가) 표시된 사진&#10;&#10;자동 생성된 설명">
+              <a:extLst>
+                <a:ext uri="{FF2B5EF4-FFF2-40B4-BE49-F238E27FC236}">
+                  <a16:creationId xmlns:a16="http://schemas.microsoft.com/office/drawing/2014/main" id="{C601E636-76D7-0F12-E933-0EA7748DA426}"/>
+                </a:ext>
+              </a:extLst>
+            </p:cNvPr>
+            <p:cNvPicPr>
+              <a:picLocks noChangeAspect="1"/>
+            </p:cNvPicPr>
+            <p:nvPr/>
+          </p:nvPicPr>
+          <p:blipFill>
+            <a:blip r:embed="rId2">
+              <a:extLst>
+                <a:ext uri="{28A0092B-C50C-407E-A947-70E740481C1C}">
+                  <a14:useLocalDpi xmlns:a14="http://schemas.microsoft.com/office/drawing/2010/main" val="0"/>
+                </a:ext>
+              </a:extLst>
+            </a:blip>
+            <a:stretch>
+              <a:fillRect/>
+            </a:stretch>
+          </p:blipFill>
+          <p:spPr>
+            <a:xfrm>
+              <a:off x="1872584" y="1570665"/>
+              <a:ext cx="7433341" cy="3716671"/>
+            </a:xfrm>
+            <a:prstGeom prst="rect">
+              <a:avLst/>
+            </a:prstGeom>
+          </p:spPr>
+        </p:pic>
+      </p:grpSp>
+    </p:spTree>
+    <p:extLst>
+      <p:ext uri="{BB962C8B-B14F-4D97-AF65-F5344CB8AC3E}">
+        <p14:creationId xmlns:p14="http://schemas.microsoft.com/office/powerpoint/2010/main" val="1404471143"/>
       </p:ext>
     </p:extLst>
   </p:cSld>
@@ -5011,15 +5151,6 @@
 </file>
 
 <file path=customXml/item1.xml><?xml version="1.0" encoding="utf-8"?>
-<?mso-contentType ?>
-<FormTemplates xmlns="http://schemas.microsoft.com/sharepoint/v3/contenttype/forms">
-  <Display>DocumentLibraryForm</Display>
-  <Edit>DocumentLibraryForm</Edit>
-  <New>DocumentLibraryForm</New>
-</FormTemplates>
-</file>
-
-<file path=customXml/item2.xml><?xml version="1.0" encoding="utf-8"?>
 <ct:contentTypeSchema xmlns:ct="http://schemas.microsoft.com/office/2006/metadata/contentType" xmlns:ma="http://schemas.microsoft.com/office/2006/metadata/properties/metaAttributes" ct:_="" ma:_="" ma:contentTypeName="Document" ma:contentTypeID="0x010100CDF8B3361623154987E8CE09966ECFA0" ma:contentTypeVersion="2" ma:contentTypeDescription="Create a new document." ma:contentTypeScope="" ma:versionID="a3e27ad6fbd8c67b374cc054d182804a">
   <xsd:schema xmlns:xsd="http://www.w3.org/2001/XMLSchema" xmlns:xs="http://www.w3.org/2001/XMLSchema" xmlns:p="http://schemas.microsoft.com/office/2006/metadata/properties" xmlns:ns3="0c7f8f23-a4b1-4082-876c-c069bf5ccd66" targetNamespace="http://schemas.microsoft.com/office/2006/metadata/properties" ma:root="true" ma:fieldsID="0596d452998d4608345a412193410b21" ns3:_="">
     <xsd:import namespace="0c7f8f23-a4b1-4082-876c-c069bf5ccd66"/>
@@ -5151,6 +5282,15 @@
 </ct:contentTypeSchema>
 </file>
 
+<file path=customXml/item2.xml><?xml version="1.0" encoding="utf-8"?>
+<?mso-contentType ?>
+<FormTemplates xmlns="http://schemas.microsoft.com/sharepoint/v3/contenttype/forms">
+  <Display>DocumentLibraryForm</Display>
+  <Edit>DocumentLibraryForm</Edit>
+  <New>DocumentLibraryForm</New>
+</FormTemplates>
+</file>
+
 <file path=customXml/item3.xml><?xml version="1.0" encoding="utf-8"?>
 <p:properties xmlns:p="http://schemas.microsoft.com/office/2006/metadata/properties" xmlns:xsi="http://www.w3.org/2001/XMLSchema-instance" xmlns:pc="http://schemas.microsoft.com/office/infopath/2007/PartnerControls">
   <documentManagement/>
@@ -5158,14 +5298,6 @@
 </file>
 
 <file path=customXml/itemProps1.xml><?xml version="1.0" encoding="utf-8"?>
-<ds:datastoreItem xmlns:ds="http://schemas.openxmlformats.org/officeDocument/2006/customXml" ds:itemID="{3D1969B6-0399-47DA-BE37-18C1254DB65A}">
-  <ds:schemaRefs>
-    <ds:schemaRef ds:uri="http://schemas.microsoft.com/sharepoint/v3/contenttype/forms"/>
-  </ds:schemaRefs>
-</ds:datastoreItem>
-</file>
-
-<file path=customXml/itemProps2.xml><?xml version="1.0" encoding="utf-8"?>
 <ds:datastoreItem xmlns:ds="http://schemas.openxmlformats.org/officeDocument/2006/customXml" ds:itemID="{63EA57E7-B7A4-4533-BCF6-F660521C0445}">
   <ds:schemaRefs>
     <ds:schemaRef ds:uri="http://schemas.microsoft.com/office/2006/metadata/contentType"/>
@@ -5179,6 +5311,14 @@
     <ds:schemaRef ds:uri="http://purl.org/dc/elements/1.1/"/>
     <ds:schemaRef ds:uri="http://purl.org/dc/terms/"/>
     <ds:schemaRef ds:uri="http://schemas.microsoft.com/internal/obd"/>
+  </ds:schemaRefs>
+</ds:datastoreItem>
+</file>
+
+<file path=customXml/itemProps2.xml><?xml version="1.0" encoding="utf-8"?>
+<ds:datastoreItem xmlns:ds="http://schemas.openxmlformats.org/officeDocument/2006/customXml" ds:itemID="{3D1969B6-0399-47DA-BE37-18C1254DB65A}">
+  <ds:schemaRefs>
+    <ds:schemaRef ds:uri="http://schemas.microsoft.com/sharepoint/v3/contenttype/forms"/>
   </ds:schemaRefs>
 </ds:datastoreItem>
 </file>

--- a/public/data/LOGO.pptx
+++ b/public/data/LOGO.pptx
@@ -3364,7 +3364,7 @@
         </p:blipFill>
         <p:spPr>
           <a:xfrm>
-            <a:off x="842962" y="396230"/>
+            <a:off x="0" y="681980"/>
             <a:ext cx="12192000" cy="5494040"/>
           </a:xfrm>
           <a:prstGeom prst="rect">
@@ -3685,10 +3685,10 @@
       </p:grpSpPr>
       <p:grpSp>
         <p:nvGrpSpPr>
-          <p:cNvPr id="7" name="그룹 6">
-            <a:extLst>
-              <a:ext uri="{FF2B5EF4-FFF2-40B4-BE49-F238E27FC236}">
-                <a16:creationId xmlns:a16="http://schemas.microsoft.com/office/drawing/2014/main" id="{1851412D-3111-E6E4-F50F-02BB99BDCD7A}"/>
+          <p:cNvPr id="4" name="그룹 3">
+            <a:extLst>
+              <a:ext uri="{FF2B5EF4-FFF2-40B4-BE49-F238E27FC236}">
+                <a16:creationId xmlns:a16="http://schemas.microsoft.com/office/drawing/2014/main" id="{C9044C9B-69CB-EAE2-5440-CE22D754390C}"/>
               </a:ext>
             </a:extLst>
           </p:cNvPr>
@@ -3697,9 +3697,9 @@
         </p:nvGrpSpPr>
         <p:grpSpPr>
           <a:xfrm>
-            <a:off x="1866900" y="-800100"/>
+            <a:off x="1016794" y="-685800"/>
             <a:ext cx="8458200" cy="8458200"/>
-            <a:chOff x="1360154" y="-800100"/>
+            <a:chOff x="1016794" y="-685800"/>
             <a:chExt cx="8458200" cy="8458200"/>
           </a:xfrm>
         </p:grpSpPr>
@@ -3717,7 +3717,7 @@
           </p:nvSpPr>
           <p:spPr>
             <a:xfrm>
-              <a:off x="1360154" y="-800100"/>
+              <a:off x="1016794" y="-685800"/>
               <a:ext cx="8458200" cy="8458200"/>
             </a:xfrm>
             <a:prstGeom prst="rect">
@@ -3757,10 +3757,10 @@
         </p:sp>
         <p:pic>
           <p:nvPicPr>
-            <p:cNvPr id="6" name="그림 5" descr="클립아트, 그래픽, 인간의 얼굴, 일러스트레이션이(가) 표시된 사진&#10;&#10;자동 생성된 설명">
+            <p:cNvPr id="3" name="그림 2" descr="클립아트, 만화 영화, 그림, 일러스트레이션이(가) 표시된 사진&#10;&#10;자동 생성된 설명">
               <a:extLst>
                 <a:ext uri="{FF2B5EF4-FFF2-40B4-BE49-F238E27FC236}">
-                  <a16:creationId xmlns:a16="http://schemas.microsoft.com/office/drawing/2014/main" id="{C601E636-76D7-0F12-E933-0EA7748DA426}"/>
+                  <a16:creationId xmlns:a16="http://schemas.microsoft.com/office/drawing/2014/main" id="{FF98A117-908D-FFF9-55F8-FE3C8FD9EB31}"/>
                 </a:ext>
               </a:extLst>
             </p:cNvPr>
@@ -3783,8 +3783,8 @@
           </p:blipFill>
           <p:spPr>
             <a:xfrm>
-              <a:off x="1872584" y="1570665"/>
-              <a:ext cx="7433341" cy="3716671"/>
+              <a:off x="1473994" y="-228600"/>
+              <a:ext cx="7543800" cy="7543800"/>
             </a:xfrm>
             <a:prstGeom prst="rect">
               <a:avLst/>
@@ -5151,6 +5151,15 @@
 </file>
 
 <file path=customXml/item1.xml><?xml version="1.0" encoding="utf-8"?>
+<?mso-contentType ?>
+<FormTemplates xmlns="http://schemas.microsoft.com/sharepoint/v3/contenttype/forms">
+  <Display>DocumentLibraryForm</Display>
+  <Edit>DocumentLibraryForm</Edit>
+  <New>DocumentLibraryForm</New>
+</FormTemplates>
+</file>
+
+<file path=customXml/item2.xml><?xml version="1.0" encoding="utf-8"?>
 <ct:contentTypeSchema xmlns:ct="http://schemas.microsoft.com/office/2006/metadata/contentType" xmlns:ma="http://schemas.microsoft.com/office/2006/metadata/properties/metaAttributes" ct:_="" ma:_="" ma:contentTypeName="Document" ma:contentTypeID="0x010100CDF8B3361623154987E8CE09966ECFA0" ma:contentTypeVersion="2" ma:contentTypeDescription="Create a new document." ma:contentTypeScope="" ma:versionID="a3e27ad6fbd8c67b374cc054d182804a">
   <xsd:schema xmlns:xsd="http://www.w3.org/2001/XMLSchema" xmlns:xs="http://www.w3.org/2001/XMLSchema" xmlns:p="http://schemas.microsoft.com/office/2006/metadata/properties" xmlns:ns3="0c7f8f23-a4b1-4082-876c-c069bf5ccd66" targetNamespace="http://schemas.microsoft.com/office/2006/metadata/properties" ma:root="true" ma:fieldsID="0596d452998d4608345a412193410b21" ns3:_="">
     <xsd:import namespace="0c7f8f23-a4b1-4082-876c-c069bf5ccd66"/>
@@ -5282,15 +5291,6 @@
 </ct:contentTypeSchema>
 </file>
 
-<file path=customXml/item2.xml><?xml version="1.0" encoding="utf-8"?>
-<?mso-contentType ?>
-<FormTemplates xmlns="http://schemas.microsoft.com/sharepoint/v3/contenttype/forms">
-  <Display>DocumentLibraryForm</Display>
-  <Edit>DocumentLibraryForm</Edit>
-  <New>DocumentLibraryForm</New>
-</FormTemplates>
-</file>
-
 <file path=customXml/item3.xml><?xml version="1.0" encoding="utf-8"?>
 <p:properties xmlns:p="http://schemas.microsoft.com/office/2006/metadata/properties" xmlns:xsi="http://www.w3.org/2001/XMLSchema-instance" xmlns:pc="http://schemas.microsoft.com/office/infopath/2007/PartnerControls">
   <documentManagement/>
@@ -5298,6 +5298,14 @@
 </file>
 
 <file path=customXml/itemProps1.xml><?xml version="1.0" encoding="utf-8"?>
+<ds:datastoreItem xmlns:ds="http://schemas.openxmlformats.org/officeDocument/2006/customXml" ds:itemID="{3D1969B6-0399-47DA-BE37-18C1254DB65A}">
+  <ds:schemaRefs>
+    <ds:schemaRef ds:uri="http://schemas.microsoft.com/sharepoint/v3/contenttype/forms"/>
+  </ds:schemaRefs>
+</ds:datastoreItem>
+</file>
+
+<file path=customXml/itemProps2.xml><?xml version="1.0" encoding="utf-8"?>
 <ds:datastoreItem xmlns:ds="http://schemas.openxmlformats.org/officeDocument/2006/customXml" ds:itemID="{63EA57E7-B7A4-4533-BCF6-F660521C0445}">
   <ds:schemaRefs>
     <ds:schemaRef ds:uri="http://schemas.microsoft.com/office/2006/metadata/contentType"/>
@@ -5311,14 +5319,6 @@
     <ds:schemaRef ds:uri="http://purl.org/dc/elements/1.1/"/>
     <ds:schemaRef ds:uri="http://purl.org/dc/terms/"/>
     <ds:schemaRef ds:uri="http://schemas.microsoft.com/internal/obd"/>
-  </ds:schemaRefs>
-</ds:datastoreItem>
-</file>
-
-<file path=customXml/itemProps2.xml><?xml version="1.0" encoding="utf-8"?>
-<ds:datastoreItem xmlns:ds="http://schemas.openxmlformats.org/officeDocument/2006/customXml" ds:itemID="{3D1969B6-0399-47DA-BE37-18C1254DB65A}">
-  <ds:schemaRefs>
-    <ds:schemaRef ds:uri="http://schemas.microsoft.com/sharepoint/v3/contenttype/forms"/>
   </ds:schemaRefs>
 </ds:datastoreItem>
 </file>

--- a/public/data/LOGO.pptx
+++ b/public/data/LOGO.pptx
@@ -17,6 +17,7 @@
     <p:sldId id="261" r:id="rId14"/>
     <p:sldId id="263" r:id="rId15"/>
     <p:sldId id="267" r:id="rId16"/>
+    <p:sldId id="268" r:id="rId17"/>
   </p:sldIdLst>
   <p:sldSz cx="12192000" cy="6858000"/>
   <p:notesSz cx="6858000" cy="9144000"/>
@@ -270,7 +271,7 @@
           <a:p>
             <a:fld id="{B1E4AD65-7308-469A-9D9A-1620AD060EFD}" type="datetimeFigureOut">
               <a:rPr lang="ko-KR" altLang="en-US" smtClean="0"/>
-              <a:t>2023-10-31</a:t>
+              <a:t>2023. 12. 27.</a:t>
             </a:fld>
             <a:endParaRPr lang="ko-KR" altLang="en-US"/>
           </a:p>
@@ -468,7 +469,7 @@
           <a:p>
             <a:fld id="{B1E4AD65-7308-469A-9D9A-1620AD060EFD}" type="datetimeFigureOut">
               <a:rPr lang="ko-KR" altLang="en-US" smtClean="0"/>
-              <a:t>2023-10-31</a:t>
+              <a:t>2023. 12. 27.</a:t>
             </a:fld>
             <a:endParaRPr lang="ko-KR" altLang="en-US"/>
           </a:p>
@@ -676,7 +677,7 @@
           <a:p>
             <a:fld id="{B1E4AD65-7308-469A-9D9A-1620AD060EFD}" type="datetimeFigureOut">
               <a:rPr lang="ko-KR" altLang="en-US" smtClean="0"/>
-              <a:t>2023-10-31</a:t>
+              <a:t>2023. 12. 27.</a:t>
             </a:fld>
             <a:endParaRPr lang="ko-KR" altLang="en-US"/>
           </a:p>
@@ -874,7 +875,7 @@
           <a:p>
             <a:fld id="{B1E4AD65-7308-469A-9D9A-1620AD060EFD}" type="datetimeFigureOut">
               <a:rPr lang="ko-KR" altLang="en-US" smtClean="0"/>
-              <a:t>2023-10-31</a:t>
+              <a:t>2023. 12. 27.</a:t>
             </a:fld>
             <a:endParaRPr lang="ko-KR" altLang="en-US"/>
           </a:p>
@@ -1149,7 +1150,7 @@
           <a:p>
             <a:fld id="{B1E4AD65-7308-469A-9D9A-1620AD060EFD}" type="datetimeFigureOut">
               <a:rPr lang="ko-KR" altLang="en-US" smtClean="0"/>
-              <a:t>2023-10-31</a:t>
+              <a:t>2023. 12. 27.</a:t>
             </a:fld>
             <a:endParaRPr lang="ko-KR" altLang="en-US"/>
           </a:p>
@@ -1414,7 +1415,7 @@
           <a:p>
             <a:fld id="{B1E4AD65-7308-469A-9D9A-1620AD060EFD}" type="datetimeFigureOut">
               <a:rPr lang="ko-KR" altLang="en-US" smtClean="0"/>
-              <a:t>2023-10-31</a:t>
+              <a:t>2023. 12. 27.</a:t>
             </a:fld>
             <a:endParaRPr lang="ko-KR" altLang="en-US"/>
           </a:p>
@@ -1826,7 +1827,7 @@
           <a:p>
             <a:fld id="{B1E4AD65-7308-469A-9D9A-1620AD060EFD}" type="datetimeFigureOut">
               <a:rPr lang="ko-KR" altLang="en-US" smtClean="0"/>
-              <a:t>2023-10-31</a:t>
+              <a:t>2023. 12. 27.</a:t>
             </a:fld>
             <a:endParaRPr lang="ko-KR" altLang="en-US"/>
           </a:p>
@@ -1967,7 +1968,7 @@
           <a:p>
             <a:fld id="{B1E4AD65-7308-469A-9D9A-1620AD060EFD}" type="datetimeFigureOut">
               <a:rPr lang="ko-KR" altLang="en-US" smtClean="0"/>
-              <a:t>2023-10-31</a:t>
+              <a:t>2023. 12. 27.</a:t>
             </a:fld>
             <a:endParaRPr lang="ko-KR" altLang="en-US"/>
           </a:p>
@@ -2080,7 +2081,7 @@
           <a:p>
             <a:fld id="{B1E4AD65-7308-469A-9D9A-1620AD060EFD}" type="datetimeFigureOut">
               <a:rPr lang="ko-KR" altLang="en-US" smtClean="0"/>
-              <a:t>2023-10-31</a:t>
+              <a:t>2023. 12. 27.</a:t>
             </a:fld>
             <a:endParaRPr lang="ko-KR" altLang="en-US"/>
           </a:p>
@@ -2391,7 +2392,7 @@
           <a:p>
             <a:fld id="{B1E4AD65-7308-469A-9D9A-1620AD060EFD}" type="datetimeFigureOut">
               <a:rPr lang="ko-KR" altLang="en-US" smtClean="0"/>
-              <a:t>2023-10-31</a:t>
+              <a:t>2023. 12. 27.</a:t>
             </a:fld>
             <a:endParaRPr lang="ko-KR" altLang="en-US"/>
           </a:p>
@@ -2679,7 +2680,7 @@
           <a:p>
             <a:fld id="{B1E4AD65-7308-469A-9D9A-1620AD060EFD}" type="datetimeFigureOut">
               <a:rPr lang="ko-KR" altLang="en-US" smtClean="0"/>
-              <a:t>2023-10-31</a:t>
+              <a:t>2023. 12. 27.</a:t>
             </a:fld>
             <a:endParaRPr lang="ko-KR" altLang="en-US"/>
           </a:p>
@@ -2920,7 +2921,7 @@
           <a:p>
             <a:fld id="{B1E4AD65-7308-469A-9D9A-1620AD060EFD}" type="datetimeFigureOut">
               <a:rPr lang="ko-KR" altLang="en-US" smtClean="0"/>
-              <a:t>2023-10-31</a:t>
+              <a:t>2023. 12. 27.</a:t>
             </a:fld>
             <a:endParaRPr lang="ko-KR" altLang="en-US"/>
           </a:p>
@@ -3796,6 +3797,145 @@
     <p:extLst>
       <p:ext uri="{BB962C8B-B14F-4D97-AF65-F5344CB8AC3E}">
         <p14:creationId xmlns:p14="http://schemas.microsoft.com/office/powerpoint/2010/main" val="1404471143"/>
+      </p:ext>
+    </p:extLst>
+  </p:cSld>
+  <p:clrMapOvr>
+    <a:masterClrMapping/>
+  </p:clrMapOvr>
+</p:sld>
+</file>
+
+<file path=ppt/slides/slide13.xml><?xml version="1.0" encoding="utf-8"?>
+<p:sld xmlns:a="http://schemas.openxmlformats.org/drawingml/2006/main" xmlns:r="http://schemas.openxmlformats.org/officeDocument/2006/relationships" xmlns:p="http://schemas.openxmlformats.org/presentationml/2006/main">
+  <p:cSld>
+    <p:spTree>
+      <p:nvGrpSpPr>
+        <p:cNvPr id="1" name=""/>
+        <p:cNvGrpSpPr/>
+        <p:nvPr/>
+      </p:nvGrpSpPr>
+      <p:grpSpPr>
+        <a:xfrm>
+          <a:off x="0" y="0"/>
+          <a:ext cx="0" cy="0"/>
+          <a:chOff x="0" y="0"/>
+          <a:chExt cx="0" cy="0"/>
+        </a:xfrm>
+      </p:grpSpPr>
+      <p:grpSp>
+        <p:nvGrpSpPr>
+          <p:cNvPr id="7" name="Group 6">
+            <a:extLst>
+              <a:ext uri="{FF2B5EF4-FFF2-40B4-BE49-F238E27FC236}">
+                <a16:creationId xmlns:a16="http://schemas.microsoft.com/office/drawing/2014/main" id="{11890FCE-069F-16B2-FDD4-D001B816E11A}"/>
+              </a:ext>
+            </a:extLst>
+          </p:cNvPr>
+          <p:cNvGrpSpPr/>
+          <p:nvPr/>
+        </p:nvGrpSpPr>
+        <p:grpSpPr>
+          <a:xfrm>
+            <a:off x="627235" y="-177800"/>
+            <a:ext cx="8458200" cy="8458200"/>
+            <a:chOff x="627235" y="-177800"/>
+            <a:chExt cx="8458200" cy="8458200"/>
+          </a:xfrm>
+        </p:grpSpPr>
+        <p:sp>
+          <p:nvSpPr>
+            <p:cNvPr id="5" name="직사각형 4">
+              <a:extLst>
+                <a:ext uri="{FF2B5EF4-FFF2-40B4-BE49-F238E27FC236}">
+                  <a16:creationId xmlns:a16="http://schemas.microsoft.com/office/drawing/2014/main" id="{B898AC64-58F7-A5AC-962E-749B9AA30F53}"/>
+                </a:ext>
+              </a:extLst>
+            </p:cNvPr>
+            <p:cNvSpPr/>
+            <p:nvPr/>
+          </p:nvSpPr>
+          <p:spPr>
+            <a:xfrm>
+              <a:off x="627235" y="-177800"/>
+              <a:ext cx="8458200" cy="8458200"/>
+            </a:xfrm>
+            <a:prstGeom prst="rect">
+              <a:avLst/>
+            </a:prstGeom>
+            <a:solidFill>
+              <a:schemeClr val="bg1"/>
+            </a:solidFill>
+            <a:ln>
+              <a:noFill/>
+            </a:ln>
+          </p:spPr>
+          <p:style>
+            <a:lnRef idx="2">
+              <a:schemeClr val="accent1">
+                <a:shade val="15000"/>
+              </a:schemeClr>
+            </a:lnRef>
+            <a:fillRef idx="1">
+              <a:schemeClr val="accent1"/>
+            </a:fillRef>
+            <a:effectRef idx="0">
+              <a:schemeClr val="accent1"/>
+            </a:effectRef>
+            <a:fontRef idx="minor">
+              <a:schemeClr val="lt1"/>
+            </a:fontRef>
+          </p:style>
+          <p:txBody>
+            <a:bodyPr rtlCol="0" anchor="ctr"/>
+            <a:lstStyle/>
+            <a:p>
+              <a:pPr algn="ctr"/>
+              <a:endParaRPr lang="ko-KR" altLang="en-US"/>
+            </a:p>
+          </p:txBody>
+        </p:sp>
+        <p:pic>
+          <p:nvPicPr>
+            <p:cNvPr id="6" name="Picture 5" descr="A red paper boat on a black background&#10;&#10;Description automatically generated">
+              <a:extLst>
+                <a:ext uri="{FF2B5EF4-FFF2-40B4-BE49-F238E27FC236}">
+                  <a16:creationId xmlns:a16="http://schemas.microsoft.com/office/drawing/2014/main" id="{C60507AC-87D3-5363-2840-7A09B6F5C490}"/>
+                </a:ext>
+              </a:extLst>
+            </p:cNvPr>
+            <p:cNvPicPr>
+              <a:picLocks noChangeAspect="1"/>
+            </p:cNvPicPr>
+            <p:nvPr/>
+          </p:nvPicPr>
+          <p:blipFill>
+            <a:blip r:embed="rId2">
+              <a:extLst>
+                <a:ext uri="{28A0092B-C50C-407E-A947-70E740481C1C}">
+                  <a14:useLocalDpi xmlns:a14="http://schemas.microsoft.com/office/drawing/2010/main" val="0"/>
+                </a:ext>
+              </a:extLst>
+            </a:blip>
+            <a:stretch>
+              <a:fillRect/>
+            </a:stretch>
+          </p:blipFill>
+          <p:spPr>
+            <a:xfrm>
+              <a:off x="970135" y="1776626"/>
+              <a:ext cx="7772400" cy="4549349"/>
+            </a:xfrm>
+            <a:prstGeom prst="rect">
+              <a:avLst/>
+            </a:prstGeom>
+          </p:spPr>
+        </p:pic>
+      </p:grpSp>
+    </p:spTree>
+    <p:extLst>
+      <p:ext uri="{BB962C8B-B14F-4D97-AF65-F5344CB8AC3E}">
+        <p14:creationId xmlns:p14="http://schemas.microsoft.com/office/powerpoint/2010/main" val="3603055281"/>
       </p:ext>
     </p:extLst>
   </p:cSld>
@@ -5151,15 +5291,6 @@
 </file>
 
 <file path=customXml/item1.xml><?xml version="1.0" encoding="utf-8"?>
-<?mso-contentType ?>
-<FormTemplates xmlns="http://schemas.microsoft.com/sharepoint/v3/contenttype/forms">
-  <Display>DocumentLibraryForm</Display>
-  <Edit>DocumentLibraryForm</Edit>
-  <New>DocumentLibraryForm</New>
-</FormTemplates>
-</file>
-
-<file path=customXml/item2.xml><?xml version="1.0" encoding="utf-8"?>
 <ct:contentTypeSchema xmlns:ct="http://schemas.microsoft.com/office/2006/metadata/contentType" xmlns:ma="http://schemas.microsoft.com/office/2006/metadata/properties/metaAttributes" ct:_="" ma:_="" ma:contentTypeName="Document" ma:contentTypeID="0x010100CDF8B3361623154987E8CE09966ECFA0" ma:contentTypeVersion="2" ma:contentTypeDescription="Create a new document." ma:contentTypeScope="" ma:versionID="a3e27ad6fbd8c67b374cc054d182804a">
   <xsd:schema xmlns:xsd="http://www.w3.org/2001/XMLSchema" xmlns:xs="http://www.w3.org/2001/XMLSchema" xmlns:p="http://schemas.microsoft.com/office/2006/metadata/properties" xmlns:ns3="0c7f8f23-a4b1-4082-876c-c069bf5ccd66" targetNamespace="http://schemas.microsoft.com/office/2006/metadata/properties" ma:root="true" ma:fieldsID="0596d452998d4608345a412193410b21" ns3:_="">
     <xsd:import namespace="0c7f8f23-a4b1-4082-876c-c069bf5ccd66"/>
@@ -5291,6 +5422,15 @@
 </ct:contentTypeSchema>
 </file>
 
+<file path=customXml/item2.xml><?xml version="1.0" encoding="utf-8"?>
+<?mso-contentType ?>
+<FormTemplates xmlns="http://schemas.microsoft.com/sharepoint/v3/contenttype/forms">
+  <Display>DocumentLibraryForm</Display>
+  <Edit>DocumentLibraryForm</Edit>
+  <New>DocumentLibraryForm</New>
+</FormTemplates>
+</file>
+
 <file path=customXml/item3.xml><?xml version="1.0" encoding="utf-8"?>
 <p:properties xmlns:p="http://schemas.microsoft.com/office/2006/metadata/properties" xmlns:xsi="http://www.w3.org/2001/XMLSchema-instance" xmlns:pc="http://schemas.microsoft.com/office/infopath/2007/PartnerControls">
   <documentManagement/>
@@ -5298,14 +5438,6 @@
 </file>
 
 <file path=customXml/itemProps1.xml><?xml version="1.0" encoding="utf-8"?>
-<ds:datastoreItem xmlns:ds="http://schemas.openxmlformats.org/officeDocument/2006/customXml" ds:itemID="{3D1969B6-0399-47DA-BE37-18C1254DB65A}">
-  <ds:schemaRefs>
-    <ds:schemaRef ds:uri="http://schemas.microsoft.com/sharepoint/v3/contenttype/forms"/>
-  </ds:schemaRefs>
-</ds:datastoreItem>
-</file>
-
-<file path=customXml/itemProps2.xml><?xml version="1.0" encoding="utf-8"?>
 <ds:datastoreItem xmlns:ds="http://schemas.openxmlformats.org/officeDocument/2006/customXml" ds:itemID="{63EA57E7-B7A4-4533-BCF6-F660521C0445}">
   <ds:schemaRefs>
     <ds:schemaRef ds:uri="http://schemas.microsoft.com/office/2006/metadata/contentType"/>
@@ -5319,6 +5451,14 @@
     <ds:schemaRef ds:uri="http://purl.org/dc/elements/1.1/"/>
     <ds:schemaRef ds:uri="http://purl.org/dc/terms/"/>
     <ds:schemaRef ds:uri="http://schemas.microsoft.com/internal/obd"/>
+  </ds:schemaRefs>
+</ds:datastoreItem>
+</file>
+
+<file path=customXml/itemProps2.xml><?xml version="1.0" encoding="utf-8"?>
+<ds:datastoreItem xmlns:ds="http://schemas.openxmlformats.org/officeDocument/2006/customXml" ds:itemID="{3D1969B6-0399-47DA-BE37-18C1254DB65A}">
+  <ds:schemaRefs>
+    <ds:schemaRef ds:uri="http://schemas.microsoft.com/sharepoint/v3/contenttype/forms"/>
   </ds:schemaRefs>
 </ds:datastoreItem>
 </file>
